--- a/ppt/final ppt content for CIE 1.pptx
+++ b/ppt/final ppt content for CIE 1.pptx
@@ -16,6 +16,9 @@
     <p:sldId id="268" r:id="rId10"/>
     <p:sldId id="271" r:id="rId11"/>
     <p:sldId id="272" r:id="rId12"/>
+    <p:sldId id="273" r:id="rId13"/>
+    <p:sldId id="274" r:id="rId14"/>
+    <p:sldId id="275" r:id="rId15"/>
   </p:sldIdLst>
   <p:sldSz cx="12192000" cy="6858000"/>
   <p:notesSz cx="6858000" cy="9144000"/>
@@ -271,7 +274,7 @@
           <a:p>
             <a:fld id="{C4BA0E9D-EF14-4EA0-A2D9-3974F90CF129}" type="datetimeFigureOut">
               <a:rPr lang="en-IN" smtClean="0"/>
-              <a:t>14-04-2024</a:t>
+              <a:t>24-04-2024</a:t>
             </a:fld>
             <a:endParaRPr lang="en-IN"/>
           </a:p>
@@ -471,7 +474,7 @@
           <a:p>
             <a:fld id="{C4BA0E9D-EF14-4EA0-A2D9-3974F90CF129}" type="datetimeFigureOut">
               <a:rPr lang="en-IN" smtClean="0"/>
-              <a:t>14-04-2024</a:t>
+              <a:t>24-04-2024</a:t>
             </a:fld>
             <a:endParaRPr lang="en-IN"/>
           </a:p>
@@ -681,7 +684,7 @@
           <a:p>
             <a:fld id="{C4BA0E9D-EF14-4EA0-A2D9-3974F90CF129}" type="datetimeFigureOut">
               <a:rPr lang="en-IN" smtClean="0"/>
-              <a:t>14-04-2024</a:t>
+              <a:t>24-04-2024</a:t>
             </a:fld>
             <a:endParaRPr lang="en-IN"/>
           </a:p>
@@ -881,7 +884,7 @@
           <a:p>
             <a:fld id="{C4BA0E9D-EF14-4EA0-A2D9-3974F90CF129}" type="datetimeFigureOut">
               <a:rPr lang="en-IN" smtClean="0"/>
-              <a:t>14-04-2024</a:t>
+              <a:t>24-04-2024</a:t>
             </a:fld>
             <a:endParaRPr lang="en-IN"/>
           </a:p>
@@ -1157,7 +1160,7 @@
           <a:p>
             <a:fld id="{C4BA0E9D-EF14-4EA0-A2D9-3974F90CF129}" type="datetimeFigureOut">
               <a:rPr lang="en-IN" smtClean="0"/>
-              <a:t>14-04-2024</a:t>
+              <a:t>24-04-2024</a:t>
             </a:fld>
             <a:endParaRPr lang="en-IN"/>
           </a:p>
@@ -1425,7 +1428,7 @@
           <a:p>
             <a:fld id="{C4BA0E9D-EF14-4EA0-A2D9-3974F90CF129}" type="datetimeFigureOut">
               <a:rPr lang="en-IN" smtClean="0"/>
-              <a:t>14-04-2024</a:t>
+              <a:t>24-04-2024</a:t>
             </a:fld>
             <a:endParaRPr lang="en-IN"/>
           </a:p>
@@ -1840,7 +1843,7 @@
           <a:p>
             <a:fld id="{C4BA0E9D-EF14-4EA0-A2D9-3974F90CF129}" type="datetimeFigureOut">
               <a:rPr lang="en-IN" smtClean="0"/>
-              <a:t>14-04-2024</a:t>
+              <a:t>24-04-2024</a:t>
             </a:fld>
             <a:endParaRPr lang="en-IN"/>
           </a:p>
@@ -1982,7 +1985,7 @@
           <a:p>
             <a:fld id="{C4BA0E9D-EF14-4EA0-A2D9-3974F90CF129}" type="datetimeFigureOut">
               <a:rPr lang="en-IN" smtClean="0"/>
-              <a:t>14-04-2024</a:t>
+              <a:t>24-04-2024</a:t>
             </a:fld>
             <a:endParaRPr lang="en-IN"/>
           </a:p>
@@ -2095,7 +2098,7 @@
           <a:p>
             <a:fld id="{C4BA0E9D-EF14-4EA0-A2D9-3974F90CF129}" type="datetimeFigureOut">
               <a:rPr lang="en-IN" smtClean="0"/>
-              <a:t>14-04-2024</a:t>
+              <a:t>24-04-2024</a:t>
             </a:fld>
             <a:endParaRPr lang="en-IN"/>
           </a:p>
@@ -2408,7 +2411,7 @@
           <a:p>
             <a:fld id="{C4BA0E9D-EF14-4EA0-A2D9-3974F90CF129}" type="datetimeFigureOut">
               <a:rPr lang="en-IN" smtClean="0"/>
-              <a:t>14-04-2024</a:t>
+              <a:t>24-04-2024</a:t>
             </a:fld>
             <a:endParaRPr lang="en-IN"/>
           </a:p>
@@ -2697,7 +2700,7 @@
           <a:p>
             <a:fld id="{C4BA0E9D-EF14-4EA0-A2D9-3974F90CF129}" type="datetimeFigureOut">
               <a:rPr lang="en-IN" smtClean="0"/>
-              <a:t>14-04-2024</a:t>
+              <a:t>24-04-2024</a:t>
             </a:fld>
             <a:endParaRPr lang="en-IN"/>
           </a:p>
@@ -2940,7 +2943,7 @@
           <a:p>
             <a:fld id="{C4BA0E9D-EF14-4EA0-A2D9-3974F90CF129}" type="datetimeFigureOut">
               <a:rPr lang="en-IN" smtClean="0"/>
-              <a:t>14-04-2024</a:t>
+              <a:t>24-04-2024</a:t>
             </a:fld>
             <a:endParaRPr lang="en-IN"/>
           </a:p>
@@ -3438,19 +3441,14 @@
           <a:p>
             <a:r>
               <a:rPr lang="en-IN" dirty="0"/>
-              <a:t>Application of </a:t>
-            </a:r>
-            <a:r>
-              <a:rPr lang="en-IN"/>
-              <a:t>inventory management</a:t>
-            </a:r>
-            <a:endParaRPr lang="en-IN" dirty="0"/>
+              <a:t>Application of inventory management</a:t>
+            </a:r>
           </a:p>
           <a:p>
             <a:pPr marL="0" indent="0">
               <a:buNone/>
             </a:pPr>
-            <a:endParaRPr lang="en-IN"/>
+            <a:endParaRPr lang="en-IN" dirty="0"/>
           </a:p>
         </p:txBody>
       </p:sp>
@@ -3820,7 +3818,10 @@
           <a:bodyPr/>
           <a:lstStyle/>
           <a:p>
-            <a:endParaRPr lang="en-IN" dirty="0"/>
+            <a:r>
+              <a:rPr lang="en-IN" dirty="0"/>
+              <a:t>Dashboard module</a:t>
+            </a:r>
           </a:p>
         </p:txBody>
       </p:sp>
@@ -3844,6 +3845,63 @@
         <p:txBody>
           <a:bodyPr/>
           <a:lstStyle/>
+          <a:p>
+            <a:pPr algn="l">
+              <a:buFont typeface="Arial" panose="020B0604020202020204" pitchFamily="34" charset="0"/>
+              <a:buChar char="•"/>
+            </a:pPr>
+            <a:r>
+              <a:rPr lang="en-US" b="0" i="0" dirty="0">
+                <a:solidFill>
+                  <a:srgbClr val="1F1F1F"/>
+                </a:solidFill>
+                <a:effectLst/>
+                <a:highlight>
+                  <a:srgbClr val="FFFFFF"/>
+                </a:highlight>
+                <a:latin typeface="Google Sans"/>
+              </a:rPr>
+              <a:t>The dashboard provides a centralized view of key inventory metrics.</a:t>
+            </a:r>
+          </a:p>
+          <a:p>
+            <a:pPr algn="l">
+              <a:buFont typeface="Arial" panose="020B0604020202020204" pitchFamily="34" charset="0"/>
+              <a:buChar char="•"/>
+            </a:pPr>
+            <a:r>
+              <a:rPr lang="en-US" b="0" i="0" dirty="0">
+                <a:solidFill>
+                  <a:srgbClr val="1F1F1F"/>
+                </a:solidFill>
+                <a:effectLst/>
+                <a:highlight>
+                  <a:srgbClr val="FFFFFF"/>
+                </a:highlight>
+                <a:latin typeface="Google Sans"/>
+              </a:rPr>
+              <a:t>Enables real-time monitoring and data-driven decision-making.</a:t>
+            </a:r>
+          </a:p>
+          <a:p>
+            <a:pPr algn="l">
+              <a:buFont typeface="Arial" panose="020B0604020202020204" pitchFamily="34" charset="0"/>
+              <a:buChar char="•"/>
+            </a:pPr>
+            <a:r>
+              <a:rPr lang="en-US" b="0" i="0" dirty="0">
+                <a:solidFill>
+                  <a:srgbClr val="1F1F1F"/>
+                </a:solidFill>
+                <a:effectLst/>
+                <a:highlight>
+                  <a:srgbClr val="FFFFFF"/>
+                </a:highlight>
+                <a:latin typeface="Google Sans"/>
+              </a:rPr>
+              <a:t>Helps optimize inventory management processes and improve efficiency.</a:t>
+            </a:r>
+          </a:p>
           <a:p>
             <a:endParaRPr lang="en-IN" dirty="0"/>
           </a:p>
@@ -3853,6 +3911,437 @@
     <p:extLst>
       <p:ext uri="{BB962C8B-B14F-4D97-AF65-F5344CB8AC3E}">
         <p14:creationId xmlns:p14="http://schemas.microsoft.com/office/powerpoint/2010/main" val="1253517209"/>
+      </p:ext>
+    </p:extLst>
+  </p:cSld>
+  <p:clrMapOvr>
+    <a:masterClrMapping/>
+  </p:clrMapOvr>
+</p:sld>
+</file>
+
+<file path=ppt/slides/slide12.xml><?xml version="1.0" encoding="utf-8"?>
+<p:sld xmlns:a="http://schemas.openxmlformats.org/drawingml/2006/main" xmlns:r="http://schemas.openxmlformats.org/officeDocument/2006/relationships" xmlns:p="http://schemas.openxmlformats.org/presentationml/2006/main">
+  <p:cSld>
+    <p:spTree>
+      <p:nvGrpSpPr>
+        <p:cNvPr id="1" name=""/>
+        <p:cNvGrpSpPr/>
+        <p:nvPr/>
+      </p:nvGrpSpPr>
+      <p:grpSpPr>
+        <a:xfrm>
+          <a:off x="0" y="0"/>
+          <a:ext cx="0" cy="0"/>
+          <a:chOff x="0" y="0"/>
+          <a:chExt cx="0" cy="0"/>
+        </a:xfrm>
+      </p:grpSpPr>
+      <p:sp>
+        <p:nvSpPr>
+          <p:cNvPr id="2" name="Title 1">
+            <a:extLst>
+              <a:ext uri="{FF2B5EF4-FFF2-40B4-BE49-F238E27FC236}">
+                <a16:creationId xmlns:a16="http://schemas.microsoft.com/office/drawing/2014/main" id="{8B16E7CE-C8AC-5EB0-0857-5F928634C225}"/>
+              </a:ext>
+            </a:extLst>
+          </p:cNvPr>
+          <p:cNvSpPr>
+            <a:spLocks noGrp="1"/>
+          </p:cNvSpPr>
+          <p:nvPr>
+            <p:ph type="title"/>
+          </p:nvPr>
+        </p:nvSpPr>
+        <p:spPr/>
+        <p:txBody>
+          <a:bodyPr/>
+          <a:lstStyle/>
+          <a:p>
+            <a:r>
+              <a:rPr lang="en-IN" b="1" i="0" dirty="0">
+                <a:solidFill>
+                  <a:srgbClr val="1F1F1F"/>
+                </a:solidFill>
+                <a:effectLst/>
+                <a:highlight>
+                  <a:srgbClr val="FFFFFF"/>
+                </a:highlight>
+                <a:latin typeface="Google Sans"/>
+              </a:rPr>
+              <a:t>Point-of-Sale (POS) Module</a:t>
+            </a:r>
+            <a:endParaRPr lang="en-IN" dirty="0"/>
+          </a:p>
+        </p:txBody>
+      </p:sp>
+      <p:sp>
+        <p:nvSpPr>
+          <p:cNvPr id="3" name="Content Placeholder 2">
+            <a:extLst>
+              <a:ext uri="{FF2B5EF4-FFF2-40B4-BE49-F238E27FC236}">
+                <a16:creationId xmlns:a16="http://schemas.microsoft.com/office/drawing/2014/main" id="{95F26A61-D330-1514-8890-BA53269FE4CD}"/>
+              </a:ext>
+            </a:extLst>
+          </p:cNvPr>
+          <p:cNvSpPr>
+            <a:spLocks noGrp="1"/>
+          </p:cNvSpPr>
+          <p:nvPr>
+            <p:ph idx="1"/>
+          </p:nvPr>
+        </p:nvSpPr>
+        <p:spPr/>
+        <p:txBody>
+          <a:bodyPr/>
+          <a:lstStyle/>
+          <a:p>
+            <a:r>
+              <a:rPr lang="en-IN" b="1" i="0" dirty="0">
+                <a:solidFill>
+                  <a:srgbClr val="1F1F1F"/>
+                </a:solidFill>
+                <a:effectLst/>
+                <a:highlight>
+                  <a:srgbClr val="FFFFFF"/>
+                </a:highlight>
+                <a:latin typeface="Google Sans"/>
+              </a:rPr>
+              <a:t>Product Search and Selection:</a:t>
+            </a:r>
+            <a:r>
+              <a:rPr lang="en-IN" b="0" i="0" dirty="0">
+                <a:solidFill>
+                  <a:srgbClr val="1F1F1F"/>
+                </a:solidFill>
+                <a:effectLst/>
+                <a:highlight>
+                  <a:srgbClr val="FFFFFF"/>
+                </a:highlight>
+                <a:latin typeface="Google Sans"/>
+              </a:rPr>
+              <a:t> </a:t>
+            </a:r>
+          </a:p>
+          <a:p>
+            <a:r>
+              <a:rPr lang="en-IN" b="1" i="0" dirty="0">
+                <a:solidFill>
+                  <a:srgbClr val="1F1F1F"/>
+                </a:solidFill>
+                <a:effectLst/>
+                <a:highlight>
+                  <a:srgbClr val="FFFFFF"/>
+                </a:highlight>
+                <a:latin typeface="Google Sans"/>
+              </a:rPr>
+              <a:t>Shopping Cart Management:</a:t>
+            </a:r>
+            <a:endParaRPr lang="en-IN" dirty="0">
+              <a:solidFill>
+                <a:srgbClr val="1F1F1F"/>
+              </a:solidFill>
+              <a:highlight>
+                <a:srgbClr val="FFFFFF"/>
+              </a:highlight>
+              <a:latin typeface="Google Sans"/>
+            </a:endParaRPr>
+          </a:p>
+          <a:p>
+            <a:r>
+              <a:rPr lang="en-IN" b="1" i="0" dirty="0">
+                <a:solidFill>
+                  <a:srgbClr val="1F1F1F"/>
+                </a:solidFill>
+                <a:effectLst/>
+                <a:highlight>
+                  <a:srgbClr val="FFFFFF"/>
+                </a:highlight>
+                <a:latin typeface="Google Sans"/>
+              </a:rPr>
+              <a:t>Real-Time Inventory Updates</a:t>
+            </a:r>
+          </a:p>
+          <a:p>
+            <a:r>
+              <a:rPr lang="en-IN" b="1" i="0" dirty="0">
+                <a:solidFill>
+                  <a:srgbClr val="1F1F1F"/>
+                </a:solidFill>
+                <a:effectLst/>
+                <a:highlight>
+                  <a:srgbClr val="FFFFFF"/>
+                </a:highlight>
+                <a:latin typeface="Google Sans"/>
+              </a:rPr>
+              <a:t>Payment Processing:</a:t>
+            </a:r>
+            <a:endParaRPr lang="en-IN" dirty="0">
+              <a:solidFill>
+                <a:srgbClr val="1F1F1F"/>
+              </a:solidFill>
+              <a:highlight>
+                <a:srgbClr val="FFFFFF"/>
+              </a:highlight>
+              <a:latin typeface="Google Sans"/>
+            </a:endParaRPr>
+          </a:p>
+          <a:p>
+            <a:r>
+              <a:rPr lang="en-IN" b="1" i="0" dirty="0">
+                <a:solidFill>
+                  <a:srgbClr val="1F1F1F"/>
+                </a:solidFill>
+                <a:effectLst/>
+                <a:highlight>
+                  <a:srgbClr val="FFFFFF"/>
+                </a:highlight>
+                <a:latin typeface="Google Sans"/>
+              </a:rPr>
+              <a:t>Receipt Generation:</a:t>
+            </a:r>
+            <a:endParaRPr lang="en-IN" dirty="0"/>
+          </a:p>
+        </p:txBody>
+      </p:sp>
+    </p:spTree>
+    <p:extLst>
+      <p:ext uri="{BB962C8B-B14F-4D97-AF65-F5344CB8AC3E}">
+        <p14:creationId xmlns:p14="http://schemas.microsoft.com/office/powerpoint/2010/main" val="3271162636"/>
+      </p:ext>
+    </p:extLst>
+  </p:cSld>
+  <p:clrMapOvr>
+    <a:masterClrMapping/>
+  </p:clrMapOvr>
+</p:sld>
+</file>
+
+<file path=ppt/slides/slide13.xml><?xml version="1.0" encoding="utf-8"?>
+<p:sld xmlns:a="http://schemas.openxmlformats.org/drawingml/2006/main" xmlns:r="http://schemas.openxmlformats.org/officeDocument/2006/relationships" xmlns:p="http://schemas.openxmlformats.org/presentationml/2006/main">
+  <p:cSld>
+    <p:spTree>
+      <p:nvGrpSpPr>
+        <p:cNvPr id="1" name=""/>
+        <p:cNvGrpSpPr/>
+        <p:nvPr/>
+      </p:nvGrpSpPr>
+      <p:grpSpPr>
+        <a:xfrm>
+          <a:off x="0" y="0"/>
+          <a:ext cx="0" cy="0"/>
+          <a:chOff x="0" y="0"/>
+          <a:chExt cx="0" cy="0"/>
+        </a:xfrm>
+      </p:grpSpPr>
+      <p:sp>
+        <p:nvSpPr>
+          <p:cNvPr id="2" name="Title 1">
+            <a:extLst>
+              <a:ext uri="{FF2B5EF4-FFF2-40B4-BE49-F238E27FC236}">
+                <a16:creationId xmlns:a16="http://schemas.microsoft.com/office/drawing/2014/main" id="{CC529A8F-06FA-4B1D-EBAE-9390960A9D6E}"/>
+              </a:ext>
+            </a:extLst>
+          </p:cNvPr>
+          <p:cNvSpPr>
+            <a:spLocks noGrp="1"/>
+          </p:cNvSpPr>
+          <p:nvPr>
+            <p:ph type="title"/>
+          </p:nvPr>
+        </p:nvSpPr>
+        <p:spPr/>
+        <p:txBody>
+          <a:bodyPr/>
+          <a:lstStyle/>
+          <a:p>
+            <a:r>
+              <a:rPr lang="en-IN" b="1" i="0" dirty="0">
+                <a:solidFill>
+                  <a:srgbClr val="1F1F1F"/>
+                </a:solidFill>
+                <a:effectLst/>
+                <a:highlight>
+                  <a:srgbClr val="FFFFFF"/>
+                </a:highlight>
+                <a:latin typeface="Google Sans"/>
+              </a:rPr>
+              <a:t>Orders Module</a:t>
+            </a:r>
+            <a:endParaRPr lang="en-IN" dirty="0"/>
+          </a:p>
+        </p:txBody>
+      </p:sp>
+      <p:sp>
+        <p:nvSpPr>
+          <p:cNvPr id="3" name="Content Placeholder 2">
+            <a:extLst>
+              <a:ext uri="{FF2B5EF4-FFF2-40B4-BE49-F238E27FC236}">
+                <a16:creationId xmlns:a16="http://schemas.microsoft.com/office/drawing/2014/main" id="{80FB6A55-B39B-EFDE-A10D-EB7E4AD0A7D1}"/>
+              </a:ext>
+            </a:extLst>
+          </p:cNvPr>
+          <p:cNvSpPr>
+            <a:spLocks noGrp="1"/>
+          </p:cNvSpPr>
+          <p:nvPr>
+            <p:ph idx="1"/>
+          </p:nvPr>
+        </p:nvSpPr>
+        <p:spPr/>
+        <p:txBody>
+          <a:bodyPr/>
+          <a:lstStyle/>
+          <a:p>
+            <a:r>
+              <a:rPr lang="en-IN" b="1" i="0" dirty="0">
+                <a:solidFill>
+                  <a:srgbClr val="1F1F1F"/>
+                </a:solidFill>
+                <a:effectLst/>
+                <a:highlight>
+                  <a:srgbClr val="FFFFFF"/>
+                </a:highlight>
+                <a:latin typeface="Google Sans"/>
+              </a:rPr>
+              <a:t>Order Creation:</a:t>
+            </a:r>
+          </a:p>
+          <a:p>
+            <a:r>
+              <a:rPr lang="en-IN" b="1" i="0" dirty="0">
+                <a:solidFill>
+                  <a:srgbClr val="1F1F1F"/>
+                </a:solidFill>
+                <a:effectLst/>
+                <a:highlight>
+                  <a:srgbClr val="FFFFFF"/>
+                </a:highlight>
+                <a:latin typeface="Google Sans"/>
+              </a:rPr>
+              <a:t>Order Management:</a:t>
+            </a:r>
+            <a:endParaRPr lang="en-IN" b="1" dirty="0">
+              <a:solidFill>
+                <a:srgbClr val="1F1F1F"/>
+              </a:solidFill>
+              <a:highlight>
+                <a:srgbClr val="FFFFFF"/>
+              </a:highlight>
+              <a:latin typeface="Google Sans"/>
+            </a:endParaRPr>
+          </a:p>
+          <a:p>
+            <a:r>
+              <a:rPr lang="en-IN" b="1" i="0" dirty="0">
+                <a:solidFill>
+                  <a:srgbClr val="1F1F1F"/>
+                </a:solidFill>
+                <a:effectLst/>
+                <a:highlight>
+                  <a:srgbClr val="FFFFFF"/>
+                </a:highlight>
+                <a:latin typeface="Google Sans"/>
+              </a:rPr>
+              <a:t>Order Reports:</a:t>
+            </a:r>
+          </a:p>
+          <a:p>
+            <a:pPr marL="0" indent="0">
+              <a:buNone/>
+            </a:pPr>
+            <a:endParaRPr lang="en-IN" dirty="0"/>
+          </a:p>
+        </p:txBody>
+      </p:sp>
+    </p:spTree>
+    <p:extLst>
+      <p:ext uri="{BB962C8B-B14F-4D97-AF65-F5344CB8AC3E}">
+        <p14:creationId xmlns:p14="http://schemas.microsoft.com/office/powerpoint/2010/main" val="3999549207"/>
+      </p:ext>
+    </p:extLst>
+  </p:cSld>
+  <p:clrMapOvr>
+    <a:masterClrMapping/>
+  </p:clrMapOvr>
+</p:sld>
+</file>
+
+<file path=ppt/slides/slide14.xml><?xml version="1.0" encoding="utf-8"?>
+<p:sld xmlns:a="http://schemas.openxmlformats.org/drawingml/2006/main" xmlns:r="http://schemas.openxmlformats.org/officeDocument/2006/relationships" xmlns:p="http://schemas.openxmlformats.org/presentationml/2006/main">
+  <p:cSld>
+    <p:spTree>
+      <p:nvGrpSpPr>
+        <p:cNvPr id="1" name=""/>
+        <p:cNvGrpSpPr/>
+        <p:nvPr/>
+      </p:nvGrpSpPr>
+      <p:grpSpPr>
+        <a:xfrm>
+          <a:off x="0" y="0"/>
+          <a:ext cx="0" cy="0"/>
+          <a:chOff x="0" y="0"/>
+          <a:chExt cx="0" cy="0"/>
+        </a:xfrm>
+      </p:grpSpPr>
+      <p:sp>
+        <p:nvSpPr>
+          <p:cNvPr id="2" name="Title 1">
+            <a:extLst>
+              <a:ext uri="{FF2B5EF4-FFF2-40B4-BE49-F238E27FC236}">
+                <a16:creationId xmlns:a16="http://schemas.microsoft.com/office/drawing/2014/main" id="{F7D6E696-CE34-5C29-1899-D2ED288B37AA}"/>
+              </a:ext>
+            </a:extLst>
+          </p:cNvPr>
+          <p:cNvSpPr>
+            <a:spLocks noGrp="1"/>
+          </p:cNvSpPr>
+          <p:nvPr>
+            <p:ph type="title"/>
+          </p:nvPr>
+        </p:nvSpPr>
+        <p:spPr/>
+        <p:txBody>
+          <a:bodyPr/>
+          <a:lstStyle/>
+          <a:p>
+            <a:r>
+              <a:rPr lang="en-US" dirty="0"/>
+              <a:t>Purchase module</a:t>
+            </a:r>
+            <a:endParaRPr lang="en-IN" dirty="0"/>
+          </a:p>
+        </p:txBody>
+      </p:sp>
+      <p:sp>
+        <p:nvSpPr>
+          <p:cNvPr id="3" name="Content Placeholder 2">
+            <a:extLst>
+              <a:ext uri="{FF2B5EF4-FFF2-40B4-BE49-F238E27FC236}">
+                <a16:creationId xmlns:a16="http://schemas.microsoft.com/office/drawing/2014/main" id="{9463C85D-B65B-DDC5-FD3A-7C4606DFFDE1}"/>
+              </a:ext>
+            </a:extLst>
+          </p:cNvPr>
+          <p:cNvSpPr>
+            <a:spLocks noGrp="1"/>
+          </p:cNvSpPr>
+          <p:nvPr>
+            <p:ph idx="1"/>
+          </p:nvPr>
+        </p:nvSpPr>
+        <p:spPr/>
+        <p:txBody>
+          <a:bodyPr/>
+          <a:lstStyle/>
+          <a:p>
+            <a:endParaRPr lang="en-IN" dirty="0"/>
+          </a:p>
+        </p:txBody>
+      </p:sp>
+    </p:spTree>
+    <p:extLst>
+      <p:ext uri="{BB962C8B-B14F-4D97-AF65-F5344CB8AC3E}">
+        <p14:creationId xmlns:p14="http://schemas.microsoft.com/office/powerpoint/2010/main" val="2548462708"/>
       </p:ext>
     </p:extLst>
   </p:cSld>
